--- a/SCS_3547_Term_Porject__Sigao_Li.pptx
+++ b/SCS_3547_Term_Porject__Sigao_Li.pptx
@@ -2759,14 +2759,14 @@
     <a:masterClrMapping/>
   </p:clrMapOvr>
   <mc:AlternateContent xmlns:mc="http://schemas.openxmlformats.org/markup-compatibility/2006">
-    <mc:Choice xmlns:p15="http://schemas.microsoft.com/office/powerpoint/2012/main" Requires="p15">
-      <p:transition xmlns:p14="http://schemas.microsoft.com/office/powerpoint/2010/main" spd="slow" Requires="p14" p14:dur="1250" advClick="0" advTm="0">
-        <p15:prstTrans prst="pageCurlDouble"/>
+    <mc:Choice xmlns:p14="http://schemas.microsoft.com/office/powerpoint/2010/main" Requires="p14">
+      <p:transition spd="med" p14:dur="750">
+        <p:pull/>
       </p:transition>
     </mc:Choice>
     <mc:Fallback>
-      <p:transition spd="slow" advClick="0" advTm="0">
-        <p:fade/>
+      <p:transition spd="med">
+        <p:pull/>
       </p:transition>
     </mc:Fallback>
   </mc:AlternateContent>
@@ -3327,6 +3327,41 @@
                                   </p:childTnLst>
                                 </p:cTn>
                               </p:par>
+                              <p:par>
+                                <p:cTn id="46" presetID="16" presetClass="entr" presetSubtype="21" fill="hold" grpId="0" nodeType="withEffect">
+                                  <p:stCondLst>
+                                    <p:cond delay="0"/>
+                                  </p:stCondLst>
+                                  <p:childTnLst>
+                                    <p:set>
+                                      <p:cBhvr>
+                                        <p:cTn id="47" dur="1" fill="hold">
+                                          <p:stCondLst>
+                                            <p:cond delay="0"/>
+                                          </p:stCondLst>
+                                        </p:cTn>
+                                        <p:tgtEl>
+                                          <p:spTgt spid="67"/>
+                                        </p:tgtEl>
+                                        <p:attrNameLst>
+                                          <p:attrName>style.visibility</p:attrName>
+                                        </p:attrNameLst>
+                                      </p:cBhvr>
+                                      <p:to>
+                                        <p:strVal val="visible"/>
+                                      </p:to>
+                                    </p:set>
+                                    <p:animEffect transition="in" filter="barn(inVertical)">
+                                      <p:cBhvr>
+                                        <p:cTn id="48" dur="500"/>
+                                        <p:tgtEl>
+                                          <p:spTgt spid="67"/>
+                                        </p:tgtEl>
+                                      </p:cBhvr>
+                                    </p:animEffect>
+                                  </p:childTnLst>
+                                </p:cTn>
+                              </p:par>
                             </p:childTnLst>
                           </p:cTn>
                         </p:par>
@@ -3360,6 +3395,8 @@
       <p:bldP spid="20" grpId="0"/>
       <p:bldP spid="21" grpId="0"/>
       <p:bldP spid="26" grpId="0"/>
+      <p:bldP spid="67" grpId="0"/>
+      <p:bldP spid="67" grpId="1"/>
     </p:bldLst>
   </p:timing>
 </p:sld>
@@ -5293,7 +5330,7 @@
         </p:nvCxnSpPr>
         <p:spPr>
           <a:xfrm>
-            <a:off x="4520048" y="1412776"/>
+            <a:off x="4634983" y="1412141"/>
             <a:ext cx="0" cy="4462555"/>
           </a:xfrm>
           <a:prstGeom prst="line">
@@ -5365,7 +5402,7 @@
                 </a:lnSpc>
               </a:pPr>
               <a:r>
-                <a:rPr lang="zh-CN" altLang="en-US" sz="1200">
+                <a:rPr lang="zh-CN" altLang="en-US" sz="1400">
                   <a:solidFill>
                     <a:schemeClr val="bg1">
                       <a:lumMod val="50000"/>
@@ -5375,9 +5412,9 @@
                   <a:ea typeface="方正黑体简体" panose="02010601030101010101" pitchFamily="2" charset="-122"/>
                   <a:sym typeface="方正黑体简体" panose="02010601030101010101" pitchFamily="2" charset="-122"/>
                 </a:rPr>
-                <a:t>In the dynamic and complex world of financial markets, predicting stock prices with high accuracy remains a challenging task due to the volatile nature of market data and the myriad of factors influencing stock movements. Traditional time series forecasting methods often fall short in capturing the intricate temporal dependencies and patterns within stock market data.</a:t>
+                <a:t>In the dynamic and complex world of financial markets, predicting stock movements remains a challenging task. Traditional time series methods often fail to capture dependencies and patterns in the data. Advanced models such as Transformer require a lot of time to train the model and optimize the hyperparameters.</a:t>
               </a:r>
-              <a:endParaRPr lang="zh-CN" altLang="en-US" sz="1200">
+              <a:endParaRPr lang="zh-CN" altLang="en-US" sz="1400">
                 <a:solidFill>
                   <a:schemeClr val="bg1">
                     <a:lumMod val="50000"/>
@@ -5656,8 +5693,8 @@
         </p:nvGrpSpPr>
         <p:grpSpPr>
           <a:xfrm>
-            <a:off x="5010151" y="3623310"/>
-            <a:ext cx="6534785" cy="2251709"/>
+            <a:off x="5009515" y="3895090"/>
+            <a:ext cx="6534785" cy="1726565"/>
             <a:chOff x="7619138" y="4301191"/>
             <a:chExt cx="4708739" cy="1286019"/>
           </a:xfrm>
@@ -5687,7 +5724,7 @@
                 </a:lnSpc>
               </a:pPr>
               <a:r>
-                <a:rPr lang="zh-CN" altLang="en-US" sz="1200">
+                <a:rPr sz="1400">
                   <a:solidFill>
                     <a:schemeClr val="bg1">
                       <a:lumMod val="50000"/>
@@ -5697,35 +5734,9 @@
                   <a:ea typeface="方正黑体简体" panose="02010601030101010101" pitchFamily="2" charset="-122"/>
                   <a:sym typeface="方正黑体简体" panose="02010601030101010101" pitchFamily="2" charset="-122"/>
                 </a:rPr>
-                <a:t>This study aims to exploit the advanced sequential data processing capabilities of Transformer models to enhance the accuracy and efficiency of stock price predictions. By integrating genetic algorithms for hyperparameter optimization, facilitating the rapid identification of superior model configurations.</a:t>
+                <a:t>This study aims to use the Transformer model for price prediction and use genetic algorithms for hyperparameter optimization to quickly identify the "optimal" model. The result is an effective and computationally efficient forecasting framework that empowers investment portfolios.</a:t>
               </a:r>
-              <a:r>
-                <a:rPr lang="en-US" altLang="zh-CN" sz="1200">
-                  <a:solidFill>
-                    <a:schemeClr val="bg1">
-                      <a:lumMod val="50000"/>
-                    </a:schemeClr>
-                  </a:solidFill>
-                  <a:latin typeface="方正黑体简体" panose="02010601030101010101" pitchFamily="2" charset="-122"/>
-                  <a:ea typeface="方正黑体简体" panose="02010601030101010101" pitchFamily="2" charset="-122"/>
-                  <a:sym typeface="方正黑体简体" panose="02010601030101010101" pitchFamily="2" charset="-122"/>
-                </a:rPr>
-                <a:t> </a:t>
-              </a:r>
-              <a:r>
-                <a:rPr lang="zh-CN" altLang="en-US" sz="1200">
-                  <a:solidFill>
-                    <a:schemeClr val="bg1">
-                      <a:lumMod val="50000"/>
-                    </a:schemeClr>
-                  </a:solidFill>
-                  <a:latin typeface="方正黑体简体" panose="02010601030101010101" pitchFamily="2" charset="-122"/>
-                  <a:ea typeface="方正黑体简体" panose="02010601030101010101" pitchFamily="2" charset="-122"/>
-                  <a:sym typeface="方正黑体简体" panose="02010601030101010101" pitchFamily="2" charset="-122"/>
-                </a:rPr>
-                <a:t>Ultimately, the project endeavours to establish a more effective and computationally efficient framework for financial market forecasting.</a:t>
-              </a:r>
-              <a:endParaRPr lang="zh-CN" altLang="en-US" sz="1200">
+              <a:endParaRPr sz="1400">
                 <a:solidFill>
                   <a:schemeClr val="bg1">
                     <a:lumMod val="50000"/>
@@ -5788,14 +5799,14 @@
     <a:masterClrMapping/>
   </p:clrMapOvr>
   <mc:AlternateContent xmlns:mc="http://schemas.openxmlformats.org/markup-compatibility/2006">
-    <mc:Choice xmlns:p15="http://schemas.microsoft.com/office/powerpoint/2012/main" Requires="p15">
-      <p:transition xmlns:p14="http://schemas.microsoft.com/office/powerpoint/2010/main" spd="slow" Requires="p14" p14:dur="1250" advClick="0" advTm="0">
-        <p15:prstTrans prst="pageCurlDouble"/>
+    <mc:Choice xmlns:p14="http://schemas.microsoft.com/office/powerpoint/2010/main" Requires="p14">
+      <p:transition spd="slow" p14:dur="1600">
+        <p:blinds/>
       </p:transition>
     </mc:Choice>
     <mc:Fallback>
-      <p:transition spd="slow" advClick="0" advTm="0">
-        <p:fade/>
+      <p:transition spd="slow">
+        <p:blinds/>
       </p:transition>
     </mc:Fallback>
   </mc:AlternateContent>
@@ -6065,9 +6076,9 @@
         <p:grpSpPr>
           <a:xfrm>
             <a:off x="-34032" y="-1"/>
-            <a:ext cx="4860499" cy="1053144"/>
+            <a:ext cx="2669114" cy="1053144"/>
             <a:chOff x="-34032" y="-1"/>
-            <a:chExt cx="4860499" cy="1053144"/>
+            <a:chExt cx="2669114" cy="1053144"/>
           </a:xfrm>
         </p:grpSpPr>
         <p:sp>
@@ -6201,7 +6212,7 @@
           <p:spPr>
             <a:xfrm>
               <a:off x="759292" y="656230"/>
-              <a:ext cx="4067175" cy="368300"/>
+              <a:ext cx="1875790" cy="368300"/>
             </a:xfrm>
             <a:prstGeom prst="rect">
               <a:avLst/>
@@ -6225,7 +6236,7 @@
                   <a:ea typeface="方正黑体简体" panose="02010601030101010101" pitchFamily="2" charset="-122"/>
                   <a:sym typeface="方正黑体简体" panose="02010601030101010101" pitchFamily="2" charset="-122"/>
                 </a:rPr>
-                <a:t>Data Overview and Preprocessing</a:t>
+                <a:t>Data Overview</a:t>
               </a:r>
               <a:endParaRPr lang="zh-CN" altLang="en-US" b="1" dirty="0">
                 <a:solidFill>
@@ -6615,7 +6626,7 @@
                 <a:cs typeface="Open Sans" panose="020B0606030504020204" pitchFamily="34" charset="0"/>
                 <a:sym typeface="方正黑体简体" panose="02010601030101010101" pitchFamily="2" charset="-122"/>
               </a:rPr>
-              <a:t>Data Preprocessing</a:t>
+              <a:t>Data Processing</a:t>
             </a:r>
             <a:br>
               <a:rPr lang="en-US" sz="1600" dirty="0">
@@ -7204,13 +7215,13 @@
     <a:masterClrMapping/>
   </p:clrMapOvr>
   <mc:AlternateContent xmlns:mc="http://schemas.openxmlformats.org/markup-compatibility/2006">
-    <mc:Choice xmlns:p15="http://schemas.microsoft.com/office/powerpoint/2012/main" Requires="p15">
-      <p:transition xmlns:p14="http://schemas.microsoft.com/office/powerpoint/2010/main" spd="slow" Requires="p14" p14:dur="1250" advClick="0" advTm="0">
-        <p15:prstTrans prst="pageCurlDouble"/>
+    <mc:Choice xmlns:p14="http://schemas.microsoft.com/office/powerpoint/2010/main" Requires="p14">
+      <p:transition spd="slow" p14:dur="1200">
+        <p14:prism/>
       </p:transition>
     </mc:Choice>
     <mc:Fallback>
-      <p:transition spd="slow" advClick="0" advTm="0">
+      <p:transition spd="slow">
         <p:fade/>
       </p:transition>
     </mc:Fallback>
@@ -7320,6 +7331,117 @@
                             </p:childTnLst>
                           </p:cTn>
                         </p:par>
+                        <p:par>
+                          <p:cTn id="12" fill="hold">
+                            <p:stCondLst>
+                              <p:cond delay="1000"/>
+                            </p:stCondLst>
+                            <p:childTnLst>
+                              <p:par>
+                                <p:cTn id="13" presetID="12" presetClass="entr" presetSubtype="4" fill="hold" nodeType="afterEffect">
+                                  <p:stCondLst>
+                                    <p:cond delay="0"/>
+                                  </p:stCondLst>
+                                  <p:childTnLst>
+                                    <p:set>
+                                      <p:cBhvr>
+                                        <p:cTn id="14" dur="1" fill="hold">
+                                          <p:stCondLst>
+                                            <p:cond delay="0"/>
+                                          </p:stCondLst>
+                                        </p:cTn>
+                                        <p:tgtEl>
+                                          <p:spTgt spid="104"/>
+                                        </p:tgtEl>
+                                        <p:attrNameLst>
+                                          <p:attrName>style.visibility</p:attrName>
+                                        </p:attrNameLst>
+                                      </p:cBhvr>
+                                      <p:to>
+                                        <p:strVal val="visible"/>
+                                      </p:to>
+                                    </p:set>
+                                    <p:anim calcmode="lin" valueType="num">
+                                      <p:cBhvr additive="base">
+                                        <p:cTn id="15" dur="500"/>
+                                        <p:tgtEl>
+                                          <p:spTgt spid="104"/>
+                                        </p:tgtEl>
+                                        <p:attrNameLst>
+                                          <p:attrName>ppt_y</p:attrName>
+                                        </p:attrNameLst>
+                                      </p:cBhvr>
+                                      <p:tavLst>
+                                        <p:tav tm="0">
+                                          <p:val>
+                                            <p:strVal val="#ppt_y+#ppt_h*1.125000"/>
+                                          </p:val>
+                                        </p:tav>
+                                        <p:tav tm="100000">
+                                          <p:val>
+                                            <p:strVal val="#ppt_y"/>
+                                          </p:val>
+                                        </p:tav>
+                                      </p:tavLst>
+                                    </p:anim>
+                                    <p:animEffect transition="in" filter="wipe(up)">
+                                      <p:cBhvr>
+                                        <p:cTn id="16" dur="500"/>
+                                        <p:tgtEl>
+                                          <p:spTgt spid="104"/>
+                                        </p:tgtEl>
+                                      </p:cBhvr>
+                                    </p:animEffect>
+                                  </p:childTnLst>
+                                </p:cTn>
+                              </p:par>
+                            </p:childTnLst>
+                          </p:cTn>
+                        </p:par>
+                        <p:par>
+                          <p:cTn id="17" fill="hold">
+                            <p:stCondLst>
+                              <p:cond delay="1500"/>
+                            </p:stCondLst>
+                            <p:childTnLst>
+                              <p:par>
+                                <p:cTn id="18" presetID="16" presetClass="entr" presetSubtype="21" fill="hold" grpId="0" nodeType="afterEffect">
+                                  <p:stCondLst>
+                                    <p:cond delay="0"/>
+                                  </p:stCondLst>
+                                  <p:childTnLst>
+                                    <p:set>
+                                      <p:cBhvr>
+                                        <p:cTn id="19" dur="1" fill="hold">
+                                          <p:stCondLst>
+                                            <p:cond delay="0"/>
+                                          </p:stCondLst>
+                                        </p:cTn>
+                                        <p:tgtEl>
+                                          <p:spTgt spid="7"/>
+                                        </p:tgtEl>
+                                        <p:attrNameLst>
+                                          <p:attrName>style.visibility</p:attrName>
+                                        </p:attrNameLst>
+                                      </p:cBhvr>
+                                      <p:to>
+                                        <p:strVal val="visible"/>
+                                      </p:to>
+                                    </p:set>
+                                    <p:animEffect transition="in" filter="barn(inVertical)">
+                                      <p:cBhvr>
+                                        <p:cTn id="20" dur="500"/>
+                                        <p:tgtEl>
+                                          <p:spTgt spid="7"/>
+                                        </p:tgtEl>
+                                      </p:cBhvr>
+                                    </p:animEffect>
+                                  </p:childTnLst>
+                                </p:cTn>
+                              </p:par>
+                            </p:childTnLst>
+                          </p:cTn>
+                        </p:par>
                       </p:childTnLst>
                     </p:cTn>
                   </p:par>
@@ -7347,6 +7469,8 @@
     <p:bldLst>
       <p:bldP spid="103" grpId="0"/>
       <p:bldP spid="13" grpId="0"/>
+      <p:bldP spid="7" grpId="0"/>
+      <p:bldP spid="7" grpId="1"/>
     </p:bldLst>
   </p:timing>
 </p:sld>
@@ -15279,8 +15403,8 @@
           </p:nvSpPr>
           <p:spPr>
             <a:xfrm>
-              <a:off x="1030717" y="2376720"/>
-              <a:ext cx="3893835" cy="897723"/>
+              <a:off x="998808" y="2376720"/>
+              <a:ext cx="4264835" cy="897723"/>
             </a:xfrm>
             <a:prstGeom prst="rect">
               <a:avLst/>
@@ -15289,81 +15413,6 @@
           <p:txBody>
             <a:bodyPr wrap="square" lIns="0" tIns="0" rIns="0" bIns="0" anchor="ctr"/>
             <a:lstStyle/>
-            <a:p>
-              <a:pPr marL="171450" indent="-171450">
-                <a:lnSpc>
-                  <a:spcPct val="120000"/>
-                </a:lnSpc>
-                <a:buClr>
-                  <a:srgbClr val="E24848"/>
-                </a:buClr>
-                <a:buFont typeface="Arial" panose="020B0604020202020204" pitchFamily="34" charset="0"/>
-                <a:buChar char="•"/>
-                <a:defRPr/>
-              </a:pPr>
-              <a:r>
-                <a:rPr lang="zh-CN" altLang="en-US" sz="1100">
-                  <a:solidFill>
-                    <a:schemeClr val="bg1">
-                      <a:lumMod val="50000"/>
-                    </a:schemeClr>
-                  </a:solidFill>
-                  <a:latin typeface="方正黑体简体" panose="02010601030101010101" pitchFamily="2" charset="-122"/>
-                  <a:ea typeface="方正黑体简体" panose="02010601030101010101" pitchFamily="2" charset="-122"/>
-                  <a:sym typeface="方正黑体简体" panose="02010601030101010101" pitchFamily="2" charset="-122"/>
-                </a:rPr>
-                <a:t>Selection</a:t>
-              </a:r>
-              <a:r>
-                <a:rPr lang="en-US" altLang="zh-CN" sz="1100">
-                  <a:solidFill>
-                    <a:schemeClr val="bg1">
-                      <a:lumMod val="50000"/>
-                    </a:schemeClr>
-                  </a:solidFill>
-                  <a:latin typeface="方正黑体简体" panose="02010601030101010101" pitchFamily="2" charset="-122"/>
-                  <a:ea typeface="方正黑体简体" panose="02010601030101010101" pitchFamily="2" charset="-122"/>
-                  <a:sym typeface="方正黑体简体" panose="02010601030101010101" pitchFamily="2" charset="-122"/>
-                </a:rPr>
-                <a:t> (</a:t>
-              </a:r>
-              <a:r>
-                <a:rPr lang="zh-CN" altLang="en-US" sz="1100" noProof="1">
-                  <a:solidFill>
-                    <a:schemeClr val="bg1">
-                      <a:lumMod val="50000"/>
-                    </a:schemeClr>
-                  </a:solidFill>
-                  <a:latin typeface="方正黑体简体" panose="02010601030101010101" pitchFamily="2" charset="-122"/>
-                  <a:ea typeface="方正黑体简体" panose="02010601030101010101" pitchFamily="2" charset="-122"/>
-                  <a:sym typeface="方正黑体简体" panose="02010601030101010101" pitchFamily="2" charset="-122"/>
-                </a:rPr>
-                <a:t>Roulette Wheel</a:t>
-              </a:r>
-              <a:r>
-                <a:rPr lang="en-US" altLang="zh-CN" sz="1100" noProof="1">
-                  <a:solidFill>
-                    <a:schemeClr val="bg1">
-                      <a:lumMod val="50000"/>
-                    </a:schemeClr>
-                  </a:solidFill>
-                  <a:latin typeface="方正黑体简体" panose="02010601030101010101" pitchFamily="2" charset="-122"/>
-                  <a:ea typeface="方正黑体简体" panose="02010601030101010101" pitchFamily="2" charset="-122"/>
-                  <a:sym typeface="方正黑体简体" panose="02010601030101010101" pitchFamily="2" charset="-122"/>
-                </a:rPr>
-                <a:t>)</a:t>
-              </a:r>
-              <a:endParaRPr lang="zh-CN" altLang="en-US" sz="1100" noProof="1">
-                <a:solidFill>
-                  <a:schemeClr val="bg1">
-                    <a:lumMod val="50000"/>
-                  </a:schemeClr>
-                </a:solidFill>
-                <a:latin typeface="方正黑体简体" panose="02010601030101010101" pitchFamily="2" charset="-122"/>
-                <a:ea typeface="方正黑体简体" panose="02010601030101010101" pitchFamily="2" charset="-122"/>
-                <a:sym typeface="方正黑体简体" panose="02010601030101010101" pitchFamily="2" charset="-122"/>
-              </a:endParaRPr>
-            </a:p>
             <a:p>
               <a:pPr marL="171450" indent="-171450">
                 <a:lnSpc>
@@ -15501,7 +15550,7 @@
                 <a:defRPr/>
               </a:pPr>
               <a:r>
-                <a:rPr lang="zh-CN" altLang="en-US" sz="1100" noProof="1">
+                <a:rPr lang="zh-CN" altLang="en-US" sz="1100">
                   <a:solidFill>
                     <a:schemeClr val="bg1">
                       <a:lumMod val="50000"/>
@@ -15511,10 +15560,10 @@
                   <a:ea typeface="方正黑体简体" panose="02010601030101010101" pitchFamily="2" charset="-122"/>
                   <a:sym typeface="方正黑体简体" panose="02010601030101010101" pitchFamily="2" charset="-122"/>
                 </a:rPr>
-                <a:t>Fitness Evaluation</a:t>
+                <a:t>Selection</a:t>
               </a:r>
               <a:r>
-                <a:rPr lang="en-US" altLang="zh-CN" sz="1100" noProof="1">
+                <a:rPr lang="en-US" altLang="zh-CN" sz="1100">
                   <a:solidFill>
                     <a:schemeClr val="bg1">
                       <a:lumMod val="50000"/>
@@ -15524,7 +15573,33 @@
                   <a:ea typeface="方正黑体简体" panose="02010601030101010101" pitchFamily="2" charset="-122"/>
                   <a:sym typeface="方正黑体简体" panose="02010601030101010101" pitchFamily="2" charset="-122"/>
                 </a:rPr>
-                <a:t> (Directional Accuracy &amp; Theil's U Statistic)</a:t>
+                <a:t> (</a:t>
+              </a:r>
+              <a:r>
+                <a:rPr lang="zh-CN" altLang="en-US" sz="1100">
+                  <a:solidFill>
+                    <a:schemeClr val="bg1">
+                      <a:lumMod val="50000"/>
+                    </a:schemeClr>
+                  </a:solidFill>
+                  <a:latin typeface="方正黑体简体" panose="02010601030101010101" pitchFamily="2" charset="-122"/>
+                  <a:ea typeface="方正黑体简体" panose="02010601030101010101" pitchFamily="2" charset="-122"/>
+                  <a:sym typeface="方正黑体简体" panose="02010601030101010101" pitchFamily="2" charset="-122"/>
+                </a:rPr>
+                <a:t>Roulette Wheel</a:t>
+              </a:r>
+              <a:r>
+                <a:rPr lang="en-US" altLang="zh-CN" sz="1100">
+                  <a:solidFill>
+                    <a:schemeClr val="bg1">
+                      <a:lumMod val="50000"/>
+                    </a:schemeClr>
+                  </a:solidFill>
+                  <a:latin typeface="方正黑体简体" panose="02010601030101010101" pitchFamily="2" charset="-122"/>
+                  <a:ea typeface="方正黑体简体" panose="02010601030101010101" pitchFamily="2" charset="-122"/>
+                  <a:sym typeface="方正黑体简体" panose="02010601030101010101" pitchFamily="2" charset="-122"/>
+                </a:rPr>
+                <a:t>)</a:t>
               </a:r>
               <a:endParaRPr lang="en-US" altLang="zh-CN" sz="1100" noProof="1">
                 <a:solidFill>
@@ -15561,6 +15636,55 @@
                   <a:sym typeface="方正黑体简体" panose="02010601030101010101" pitchFamily="2" charset="-122"/>
                 </a:rPr>
                 <a:t>Early Stopping (5 Epochs)</a:t>
+              </a:r>
+              <a:endParaRPr lang="en-US" altLang="zh-CN" sz="1100" noProof="1">
+                <a:solidFill>
+                  <a:schemeClr val="bg1">
+                    <a:lumMod val="50000"/>
+                  </a:schemeClr>
+                </a:solidFill>
+                <a:latin typeface="方正黑体简体" panose="02010601030101010101" pitchFamily="2" charset="-122"/>
+                <a:ea typeface="方正黑体简体" panose="02010601030101010101" pitchFamily="2" charset="-122"/>
+                <a:sym typeface="方正黑体简体" panose="02010601030101010101" pitchFamily="2" charset="-122"/>
+              </a:endParaRPr>
+            </a:p>
+            <a:p>
+              <a:pPr marL="171450" indent="-171450">
+                <a:lnSpc>
+                  <a:spcPct val="120000"/>
+                </a:lnSpc>
+                <a:buClr>
+                  <a:srgbClr val="E24848"/>
+                </a:buClr>
+                <a:buFont typeface="Arial" panose="020B0604020202020204" pitchFamily="34" charset="0"/>
+                <a:buChar char="•"/>
+                <a:defRPr/>
+              </a:pPr>
+              <a:r>
+                <a:rPr lang="zh-CN" altLang="en-US" sz="1100">
+                  <a:solidFill>
+                    <a:schemeClr val="bg1">
+                      <a:lumMod val="50000"/>
+                    </a:schemeClr>
+                  </a:solidFill>
+                  <a:latin typeface="方正黑体简体" panose="02010601030101010101" pitchFamily="2" charset="-122"/>
+                  <a:ea typeface="方正黑体简体" panose="02010601030101010101" pitchFamily="2" charset="-122"/>
+                  <a:sym typeface="方正黑体简体" panose="02010601030101010101" pitchFamily="2" charset="-122"/>
+                </a:rPr>
+                <a:t>Fitness Evaluation</a:t>
+              </a:r>
+              <a:r>
+                <a:rPr lang="en-US" altLang="zh-CN" sz="1100">
+                  <a:solidFill>
+                    <a:schemeClr val="bg1">
+                      <a:lumMod val="50000"/>
+                    </a:schemeClr>
+                  </a:solidFill>
+                  <a:latin typeface="方正黑体简体" panose="02010601030101010101" pitchFamily="2" charset="-122"/>
+                  <a:ea typeface="方正黑体简体" panose="02010601030101010101" pitchFamily="2" charset="-122"/>
+                  <a:sym typeface="方正黑体简体" panose="02010601030101010101" pitchFamily="2" charset="-122"/>
+                </a:rPr>
+                <a:t>(Directional Accuracy &amp; Theil's U(Uncertainty coefficient))</a:t>
               </a:r>
               <a:endParaRPr lang="en-US" altLang="zh-CN" sz="1100" noProof="1">
                 <a:solidFill>
@@ -21475,14 +21599,14 @@
     <a:masterClrMapping/>
   </p:clrMapOvr>
   <mc:AlternateContent xmlns:mc="http://schemas.openxmlformats.org/markup-compatibility/2006">
-    <mc:Choice xmlns:p15="http://schemas.microsoft.com/office/powerpoint/2012/main" Requires="p15">
-      <p:transition xmlns:p14="http://schemas.microsoft.com/office/powerpoint/2010/main" spd="slow" Requires="p14" p14:dur="1250" advClick="0" advTm="0">
-        <p15:prstTrans prst="pageCurlDouble"/>
+    <mc:Choice xmlns:p14="http://schemas.microsoft.com/office/powerpoint/2010/main" Requires="p14">
+      <p:transition spd="slow" p14:dur="1000">
+        <p:randomBar dir="vert"/>
       </p:transition>
     </mc:Choice>
     <mc:Fallback>
-      <p:transition spd="slow" advClick="0" advTm="0">
-        <p:fade/>
+      <p:transition spd="slow">
+        <p:randomBar dir="vert"/>
       </p:transition>
     </mc:Fallback>
   </mc:AlternateContent>
@@ -21522,9 +21646,9 @@
         <p:grpSpPr>
           <a:xfrm>
             <a:off x="-34032" y="-1"/>
-            <a:ext cx="5110054" cy="1053144"/>
+            <a:ext cx="1799164" cy="1053144"/>
             <a:chOff x="-34032" y="-1"/>
-            <a:chExt cx="5110054" cy="1053144"/>
+            <a:chExt cx="1799164" cy="1053144"/>
           </a:xfrm>
         </p:grpSpPr>
         <p:sp>
@@ -21658,7 +21782,7 @@
           <p:spPr>
             <a:xfrm>
               <a:off x="759292" y="656230"/>
-              <a:ext cx="4316730" cy="368300"/>
+              <a:ext cx="1005840" cy="368300"/>
             </a:xfrm>
             <a:prstGeom prst="rect">
               <a:avLst/>
@@ -21682,7 +21806,7 @@
                   <a:ea typeface="方正黑体简体" panose="02010601030101010101" pitchFamily="2" charset="-122"/>
                   <a:sym typeface="方正黑体简体" panose="02010601030101010101" pitchFamily="2" charset="-122"/>
                 </a:rPr>
-                <a:t>Results and Performance Evaluation</a:t>
+                <a:t>Results</a:t>
               </a:r>
               <a:endParaRPr lang="zh-CN" altLang="en-US" b="1" dirty="0">
                 <a:solidFill>
@@ -22312,7 +22436,7 @@
                         <a:buNone/>
                       </a:pPr>
                       <a:r>
-                        <a:rPr lang="en-US" sz="1200" b="1">
+                        <a:rPr lang="en-US" sz="1200" b="0">
                           <a:solidFill>
                             <a:srgbClr val="000000"/>
                           </a:solidFill>
@@ -22322,7 +22446,7 @@
                         </a:rPr>
                         <a:t>Worst</a:t>
                       </a:r>
-                      <a:endParaRPr lang="en-US" altLang="en-US" sz="1200" b="1">
+                      <a:endParaRPr lang="en-US" altLang="en-US" sz="1200" b="0">
                         <a:solidFill>
                           <a:srgbClr val="000000"/>
                         </a:solidFill>
@@ -22342,7 +22466,7 @@
                         <a:buNone/>
                       </a:pPr>
                       <a:r>
-                        <a:rPr lang="en-US" altLang="en-US" sz="1200" b="1">
+                        <a:rPr lang="en-US" altLang="en-US" sz="1200" b="0">
                           <a:solidFill>
                             <a:srgbClr val="000000"/>
                           </a:solidFill>
@@ -22352,7 +22476,7 @@
                         </a:rPr>
                         <a:t>0.51236 </a:t>
                       </a:r>
-                      <a:endParaRPr lang="en-US" altLang="en-US" sz="1200" b="1">
+                      <a:endParaRPr lang="en-US" altLang="en-US" sz="1200" b="0">
                         <a:solidFill>
                           <a:srgbClr val="000000"/>
                         </a:solidFill>
@@ -22372,13 +22496,13 @@
                         <a:buNone/>
                       </a:pPr>
                       <a:r>
-                        <a:rPr lang="zh-CN" altLang="en-US" sz="1200">
+                        <a:rPr lang="zh-CN" altLang="en-US" sz="1200" b="0">
                           <a:latin typeface="Avenir Light" panose="020B0403020203020204" charset="0"/>
                           <a:cs typeface="Avenir Light" panose="020B0403020203020204" charset="0"/>
                         </a:rPr>
                         <a:t>4</a:t>
                       </a:r>
-                      <a:endParaRPr lang="zh-CN" altLang="en-US" sz="1200">
+                      <a:endParaRPr lang="zh-CN" altLang="en-US" sz="1200" b="0">
                         <a:latin typeface="Avenir Light" panose="020B0403020203020204" charset="0"/>
                         <a:cs typeface="Avenir Light" panose="020B0403020203020204" charset="0"/>
                       </a:endParaRPr>
@@ -22394,13 +22518,13 @@
                         <a:buNone/>
                       </a:pPr>
                       <a:r>
-                        <a:rPr lang="zh-CN" altLang="en-US" sz="1200">
+                        <a:rPr lang="zh-CN" altLang="en-US" sz="1200" b="0">
                           <a:latin typeface="Avenir Light" panose="020B0403020203020204" charset="0"/>
                           <a:cs typeface="Avenir Light" panose="020B0403020203020204" charset="0"/>
                         </a:rPr>
                         <a:t>2</a:t>
                       </a:r>
-                      <a:endParaRPr lang="zh-CN" altLang="en-US" sz="1200">
+                      <a:endParaRPr lang="zh-CN" altLang="en-US" sz="1200" b="0">
                         <a:latin typeface="Avenir Light" panose="020B0403020203020204" charset="0"/>
                         <a:cs typeface="Avenir Light" panose="020B0403020203020204" charset="0"/>
                       </a:endParaRPr>
@@ -22416,13 +22540,13 @@
                         <a:buNone/>
                       </a:pPr>
                       <a:r>
-                        <a:rPr lang="zh-CN" altLang="en-US" sz="1200">
+                        <a:rPr lang="zh-CN" altLang="en-US" sz="1200" b="0">
                           <a:latin typeface="Avenir Light" panose="020B0403020203020204" charset="0"/>
                           <a:cs typeface="Avenir Light" panose="020B0403020203020204" charset="0"/>
                         </a:rPr>
                         <a:t>10</a:t>
                       </a:r>
-                      <a:endParaRPr lang="zh-CN" altLang="en-US" sz="1200">
+                      <a:endParaRPr lang="zh-CN" altLang="en-US" sz="1200" b="0">
                         <a:latin typeface="Avenir Light" panose="020B0403020203020204" charset="0"/>
                         <a:cs typeface="Avenir Light" panose="020B0403020203020204" charset="0"/>
                       </a:endParaRPr>
@@ -22438,13 +22562,13 @@
                         <a:buNone/>
                       </a:pPr>
                       <a:r>
-                        <a:rPr lang="zh-CN" altLang="en-US" sz="1200">
+                        <a:rPr lang="zh-CN" altLang="en-US" sz="1200" b="0">
                           <a:latin typeface="Avenir Light" panose="020B0403020203020204" charset="0"/>
                           <a:cs typeface="Avenir Light" panose="020B0403020203020204" charset="0"/>
                         </a:rPr>
                         <a:t>50</a:t>
                       </a:r>
-                      <a:endParaRPr lang="zh-CN" altLang="en-US" sz="1200">
+                      <a:endParaRPr lang="zh-CN" altLang="en-US" sz="1200" b="0">
                         <a:latin typeface="Avenir Light" panose="020B0403020203020204" charset="0"/>
                         <a:cs typeface="Avenir Light" panose="020B0403020203020204" charset="0"/>
                       </a:endParaRPr>
@@ -22460,13 +22584,13 @@
                         <a:buNone/>
                       </a:pPr>
                       <a:r>
-                        <a:rPr lang="zh-CN" altLang="en-US" sz="1200">
+                        <a:rPr lang="zh-CN" altLang="en-US" sz="1200" b="0">
                           <a:latin typeface="Avenir Light" panose="020B0403020203020204" charset="0"/>
                           <a:cs typeface="Avenir Light" panose="020B0403020203020204" charset="0"/>
                         </a:rPr>
                         <a:t>16</a:t>
                       </a:r>
-                      <a:endParaRPr lang="zh-CN" altLang="en-US" sz="1200">
+                      <a:endParaRPr lang="zh-CN" altLang="en-US" sz="1200" b="0">
                         <a:latin typeface="Avenir Light" panose="020B0403020203020204" charset="0"/>
                         <a:cs typeface="Avenir Light" panose="020B0403020203020204" charset="0"/>
                       </a:endParaRPr>
@@ -22482,13 +22606,13 @@
                         <a:buNone/>
                       </a:pPr>
                       <a:r>
-                        <a:rPr lang="zh-CN" altLang="en-US" sz="1200">
+                        <a:rPr lang="zh-CN" altLang="en-US" sz="1200" b="0">
                           <a:latin typeface="Avenir Light" panose="020B0403020203020204" charset="0"/>
                           <a:cs typeface="Avenir Light" panose="020B0403020203020204" charset="0"/>
                         </a:rPr>
                         <a:t>40</a:t>
                       </a:r>
-                      <a:endParaRPr lang="zh-CN" altLang="en-US" sz="1200">
+                      <a:endParaRPr lang="zh-CN" altLang="en-US" sz="1200" b="0">
                         <a:latin typeface="Avenir Light" panose="020B0403020203020204" charset="0"/>
                         <a:cs typeface="Avenir Light" panose="020B0403020203020204" charset="0"/>
                       </a:endParaRPr>
@@ -22764,7 +22888,7 @@
                         <a:buNone/>
                       </a:pPr>
                       <a:r>
-                        <a:rPr lang="en-US" sz="1200" b="1">
+                        <a:rPr lang="en-US" sz="1200" b="0">
                           <a:solidFill>
                             <a:srgbClr val="000000"/>
                           </a:solidFill>
@@ -22774,7 +22898,7 @@
                         </a:rPr>
                         <a:t>Worst</a:t>
                       </a:r>
-                      <a:endParaRPr lang="en-US" altLang="en-US" sz="1200" b="1">
+                      <a:endParaRPr lang="en-US" altLang="en-US" sz="1200" b="0">
                         <a:solidFill>
                           <a:srgbClr val="000000"/>
                         </a:solidFill>
@@ -22794,7 +22918,7 @@
                         <a:buNone/>
                       </a:pPr>
                       <a:r>
-                        <a:rPr lang="en-US" altLang="en-US" sz="1200" b="1">
+                        <a:rPr lang="en-US" altLang="en-US" sz="1200" b="0">
                           <a:solidFill>
                             <a:srgbClr val="000000"/>
                           </a:solidFill>
@@ -22804,7 +22928,7 @@
                         </a:rPr>
                         <a:t>0.48580</a:t>
                       </a:r>
-                      <a:endParaRPr lang="en-US" altLang="en-US" sz="1200" b="1">
+                      <a:endParaRPr lang="en-US" altLang="en-US" sz="1200" b="0">
                         <a:solidFill>
                           <a:srgbClr val="000000"/>
                         </a:solidFill>
@@ -22824,13 +22948,13 @@
                         <a:buNone/>
                       </a:pPr>
                       <a:r>
-                        <a:rPr lang="zh-CN" altLang="en-US" sz="1200">
+                        <a:rPr lang="zh-CN" altLang="en-US" sz="1200" b="0">
                           <a:latin typeface="Avenir Light" panose="020B0403020203020204" charset="0"/>
                           <a:cs typeface="Avenir Light" panose="020B0403020203020204" charset="0"/>
                         </a:rPr>
                         <a:t>2</a:t>
                       </a:r>
-                      <a:endParaRPr lang="zh-CN" altLang="en-US" sz="1200">
+                      <a:endParaRPr lang="zh-CN" altLang="en-US" sz="1200" b="0">
                         <a:latin typeface="Avenir Light" panose="020B0403020203020204" charset="0"/>
                         <a:cs typeface="Avenir Light" panose="020B0403020203020204" charset="0"/>
                       </a:endParaRPr>
@@ -22846,13 +22970,13 @@
                         <a:buNone/>
                       </a:pPr>
                       <a:r>
-                        <a:rPr lang="zh-CN" altLang="en-US" sz="1200">
+                        <a:rPr lang="zh-CN" altLang="en-US" sz="1200" b="0">
                           <a:latin typeface="Avenir Light" panose="020B0403020203020204" charset="0"/>
                           <a:cs typeface="Avenir Light" panose="020B0403020203020204" charset="0"/>
                         </a:rPr>
                         <a:t>2</a:t>
                       </a:r>
-                      <a:endParaRPr lang="zh-CN" altLang="en-US" sz="1200">
+                      <a:endParaRPr lang="zh-CN" altLang="en-US" sz="1200" b="0">
                         <a:latin typeface="Avenir Light" panose="020B0403020203020204" charset="0"/>
                         <a:cs typeface="Avenir Light" panose="020B0403020203020204" charset="0"/>
                       </a:endParaRPr>
@@ -22868,13 +22992,13 @@
                         <a:buNone/>
                       </a:pPr>
                       <a:r>
-                        <a:rPr lang="zh-CN" altLang="en-US" sz="1200">
+                        <a:rPr lang="zh-CN" altLang="en-US" sz="1200" b="0">
                           <a:latin typeface="Avenir Light" panose="020B0403020203020204" charset="0"/>
                           <a:cs typeface="Avenir Light" panose="020B0403020203020204" charset="0"/>
                         </a:rPr>
                         <a:t>10</a:t>
                       </a:r>
-                      <a:endParaRPr lang="zh-CN" altLang="en-US" sz="1200">
+                      <a:endParaRPr lang="zh-CN" altLang="en-US" sz="1200" b="0">
                         <a:latin typeface="Avenir Light" panose="020B0403020203020204" charset="0"/>
                         <a:cs typeface="Avenir Light" panose="020B0403020203020204" charset="0"/>
                       </a:endParaRPr>
@@ -22890,13 +23014,13 @@
                         <a:buNone/>
                       </a:pPr>
                       <a:r>
-                        <a:rPr lang="zh-CN" altLang="en-US" sz="1200">
+                        <a:rPr lang="zh-CN" altLang="en-US" sz="1200" b="0">
                           <a:latin typeface="Avenir Light" panose="020B0403020203020204" charset="0"/>
                           <a:cs typeface="Avenir Light" panose="020B0403020203020204" charset="0"/>
                         </a:rPr>
                         <a:t>50</a:t>
                       </a:r>
-                      <a:endParaRPr lang="zh-CN" altLang="en-US" sz="1200">
+                      <a:endParaRPr lang="zh-CN" altLang="en-US" sz="1200" b="0">
                         <a:latin typeface="Avenir Light" panose="020B0403020203020204" charset="0"/>
                         <a:cs typeface="Avenir Light" panose="020B0403020203020204" charset="0"/>
                       </a:endParaRPr>
@@ -22912,13 +23036,13 @@
                         <a:buNone/>
                       </a:pPr>
                       <a:r>
-                        <a:rPr lang="zh-CN" altLang="en-US" sz="1200">
+                        <a:rPr lang="zh-CN" altLang="en-US" sz="1200" b="0">
                           <a:latin typeface="Avenir Light" panose="020B0403020203020204" charset="0"/>
                           <a:cs typeface="Avenir Light" panose="020B0403020203020204" charset="0"/>
                         </a:rPr>
                         <a:t>64</a:t>
                       </a:r>
-                      <a:endParaRPr lang="zh-CN" altLang="en-US" sz="1200">
+                      <a:endParaRPr lang="zh-CN" altLang="en-US" sz="1200" b="0">
                         <a:latin typeface="Avenir Light" panose="020B0403020203020204" charset="0"/>
                         <a:cs typeface="Avenir Light" panose="020B0403020203020204" charset="0"/>
                       </a:endParaRPr>
@@ -22934,13 +23058,13 @@
                         <a:buNone/>
                       </a:pPr>
                       <a:r>
-                        <a:rPr lang="zh-CN" altLang="en-US" sz="1200">
+                        <a:rPr lang="zh-CN" altLang="en-US" sz="1200" b="0">
                           <a:latin typeface="Avenir Light" panose="020B0403020203020204" charset="0"/>
                           <a:cs typeface="Avenir Light" panose="020B0403020203020204" charset="0"/>
                         </a:rPr>
                         <a:t>40</a:t>
                       </a:r>
-                      <a:endParaRPr lang="zh-CN" altLang="en-US" sz="1200">
+                      <a:endParaRPr lang="zh-CN" altLang="en-US" sz="1200" b="0">
                         <a:latin typeface="Avenir Light" panose="020B0403020203020204" charset="0"/>
                         <a:cs typeface="Avenir Light" panose="020B0403020203020204" charset="0"/>
                       </a:endParaRPr>
@@ -23216,7 +23340,7 @@
                         <a:buNone/>
                       </a:pPr>
                       <a:r>
-                        <a:rPr lang="en-US" sz="1200" b="1">
+                        <a:rPr lang="en-US" sz="1200" b="0">
                           <a:solidFill>
                             <a:srgbClr val="000000"/>
                           </a:solidFill>
@@ -23226,7 +23350,7 @@
                         </a:rPr>
                         <a:t>Worst</a:t>
                       </a:r>
-                      <a:endParaRPr lang="en-US" altLang="en-US" sz="1200" b="1">
+                      <a:endParaRPr lang="en-US" altLang="en-US" sz="1200" b="0">
                         <a:solidFill>
                           <a:srgbClr val="000000"/>
                         </a:solidFill>
@@ -23246,7 +23370,7 @@
                         <a:buNone/>
                       </a:pPr>
                       <a:r>
-                        <a:rPr lang="en-US" altLang="en-US" sz="1200" b="1">
+                        <a:rPr lang="en-US" altLang="en-US" sz="1200" b="0">
                           <a:solidFill>
                             <a:srgbClr val="000000"/>
                           </a:solidFill>
@@ -23256,7 +23380,7 @@
                         </a:rPr>
                         <a:t>0.43289</a:t>
                       </a:r>
-                      <a:endParaRPr lang="en-US" altLang="en-US" sz="1200" b="1">
+                      <a:endParaRPr lang="en-US" altLang="en-US" sz="1200" b="0">
                         <a:solidFill>
                           <a:srgbClr val="000000"/>
                         </a:solidFill>
@@ -23276,13 +23400,13 @@
                         <a:buNone/>
                       </a:pPr>
                       <a:r>
-                        <a:rPr lang="zh-CN" altLang="en-US" sz="1200">
+                        <a:rPr lang="zh-CN" altLang="en-US" sz="1200" b="0">
                           <a:latin typeface="Avenir Light" panose="020B0403020203020204" charset="0"/>
                           <a:cs typeface="Avenir Light" panose="020B0403020203020204" charset="0"/>
                         </a:rPr>
                         <a:t>4</a:t>
                       </a:r>
-                      <a:endParaRPr lang="zh-CN" altLang="en-US" sz="1200">
+                      <a:endParaRPr lang="zh-CN" altLang="en-US" sz="1200" b="0">
                         <a:latin typeface="Avenir Light" panose="020B0403020203020204" charset="0"/>
                         <a:cs typeface="Avenir Light" panose="020B0403020203020204" charset="0"/>
                       </a:endParaRPr>
@@ -23298,13 +23422,13 @@
                         <a:buNone/>
                       </a:pPr>
                       <a:r>
-                        <a:rPr lang="zh-CN" altLang="en-US" sz="1200">
+                        <a:rPr lang="zh-CN" altLang="en-US" sz="1200" b="0">
                           <a:latin typeface="Avenir Light" panose="020B0403020203020204" charset="0"/>
                           <a:cs typeface="Avenir Light" panose="020B0403020203020204" charset="0"/>
                         </a:rPr>
                         <a:t>4</a:t>
                       </a:r>
-                      <a:endParaRPr lang="zh-CN" altLang="en-US" sz="1200">
+                      <a:endParaRPr lang="zh-CN" altLang="en-US" sz="1200" b="0">
                         <a:latin typeface="Avenir Light" panose="020B0403020203020204" charset="0"/>
                         <a:cs typeface="Avenir Light" panose="020B0403020203020204" charset="0"/>
                       </a:endParaRPr>
@@ -23320,13 +23444,13 @@
                         <a:buNone/>
                       </a:pPr>
                       <a:r>
-                        <a:rPr lang="zh-CN" altLang="en-US" sz="1200">
+                        <a:rPr lang="zh-CN" altLang="en-US" sz="1200" b="0">
                           <a:latin typeface="Avenir Light" panose="020B0403020203020204" charset="0"/>
                           <a:cs typeface="Avenir Light" panose="020B0403020203020204" charset="0"/>
                         </a:rPr>
                         <a:t>10</a:t>
                       </a:r>
-                      <a:endParaRPr lang="zh-CN" altLang="en-US" sz="1200">
+                      <a:endParaRPr lang="zh-CN" altLang="en-US" sz="1200" b="0">
                         <a:latin typeface="Avenir Light" panose="020B0403020203020204" charset="0"/>
                         <a:cs typeface="Avenir Light" panose="020B0403020203020204" charset="0"/>
                       </a:endParaRPr>
@@ -23342,13 +23466,13 @@
                         <a:buNone/>
                       </a:pPr>
                       <a:r>
-                        <a:rPr lang="zh-CN" altLang="en-US" sz="1200">
+                        <a:rPr lang="zh-CN" altLang="en-US" sz="1200" b="0">
                           <a:latin typeface="Avenir Light" panose="020B0403020203020204" charset="0"/>
                           <a:cs typeface="Avenir Light" panose="020B0403020203020204" charset="0"/>
                         </a:rPr>
                         <a:t>50</a:t>
                       </a:r>
-                      <a:endParaRPr lang="zh-CN" altLang="en-US" sz="1200">
+                      <a:endParaRPr lang="zh-CN" altLang="en-US" sz="1200" b="0">
                         <a:latin typeface="Avenir Light" panose="020B0403020203020204" charset="0"/>
                         <a:cs typeface="Avenir Light" panose="020B0403020203020204" charset="0"/>
                       </a:endParaRPr>
@@ -23364,13 +23488,13 @@
                         <a:buNone/>
                       </a:pPr>
                       <a:r>
-                        <a:rPr lang="zh-CN" altLang="en-US" sz="1200">
+                        <a:rPr lang="zh-CN" altLang="en-US" sz="1200" b="0">
                           <a:latin typeface="Avenir Light" panose="020B0403020203020204" charset="0"/>
                           <a:cs typeface="Avenir Light" panose="020B0403020203020204" charset="0"/>
                         </a:rPr>
                         <a:t>16</a:t>
                       </a:r>
-                      <a:endParaRPr lang="zh-CN" altLang="en-US" sz="1200">
+                      <a:endParaRPr lang="zh-CN" altLang="en-US" sz="1200" b="0">
                         <a:latin typeface="Avenir Light" panose="020B0403020203020204" charset="0"/>
                         <a:cs typeface="Avenir Light" panose="020B0403020203020204" charset="0"/>
                       </a:endParaRPr>
@@ -23386,13 +23510,13 @@
                         <a:buNone/>
                       </a:pPr>
                       <a:r>
-                        <a:rPr lang="zh-CN" altLang="en-US" sz="1200">
+                        <a:rPr lang="zh-CN" altLang="en-US" sz="1200" b="0">
                           <a:latin typeface="Avenir Light" panose="020B0403020203020204" charset="0"/>
                           <a:cs typeface="Avenir Light" panose="020B0403020203020204" charset="0"/>
                         </a:rPr>
                         <a:t>50</a:t>
                       </a:r>
-                      <a:endParaRPr lang="zh-CN" altLang="en-US" sz="1200">
+                      <a:endParaRPr lang="zh-CN" altLang="en-US" sz="1200" b="0">
                         <a:latin typeface="Avenir Light" panose="020B0403020203020204" charset="0"/>
                         <a:cs typeface="Avenir Light" panose="020B0403020203020204" charset="0"/>
                       </a:endParaRPr>
@@ -23669,7 +23793,7 @@
                         <a:buNone/>
                       </a:pPr>
                       <a:r>
-                        <a:rPr lang="en-US" sz="1200" b="1">
+                        <a:rPr lang="en-US" sz="1200" b="0">
                           <a:solidFill>
                             <a:srgbClr val="000000"/>
                           </a:solidFill>
@@ -23679,7 +23803,7 @@
                         </a:rPr>
                         <a:t>Worst</a:t>
                       </a:r>
-                      <a:endParaRPr lang="en-US" altLang="en-US" sz="1200" b="1">
+                      <a:endParaRPr lang="en-US" altLang="en-US" sz="1200" b="0">
                         <a:solidFill>
                           <a:srgbClr val="000000"/>
                         </a:solidFill>
@@ -23699,7 +23823,7 @@
                         <a:buNone/>
                       </a:pPr>
                       <a:r>
-                        <a:rPr lang="en-US" altLang="en-US" sz="1200" b="1">
+                        <a:rPr lang="en-US" altLang="en-US" sz="1200" b="0">
                           <a:solidFill>
                             <a:srgbClr val="000000"/>
                           </a:solidFill>
@@ -23709,7 +23833,7 @@
                         </a:rPr>
                         <a:t>0.52188</a:t>
                       </a:r>
-                      <a:endParaRPr lang="en-US" altLang="en-US" sz="1200" b="1">
+                      <a:endParaRPr lang="en-US" altLang="en-US" sz="1200" b="0">
                         <a:solidFill>
                           <a:srgbClr val="000000"/>
                         </a:solidFill>
@@ -23729,13 +23853,13 @@
                         <a:buNone/>
                       </a:pPr>
                       <a:r>
-                        <a:rPr lang="zh-CN" altLang="en-US" sz="1200">
+                        <a:rPr lang="zh-CN" altLang="en-US" sz="1200" b="0">
                           <a:latin typeface="Avenir Light" panose="020B0403020203020204" charset="0"/>
                           <a:cs typeface="Avenir Light" panose="020B0403020203020204" charset="0"/>
                         </a:rPr>
                         <a:t>4</a:t>
                       </a:r>
-                      <a:endParaRPr lang="zh-CN" altLang="en-US" sz="1200">
+                      <a:endParaRPr lang="zh-CN" altLang="en-US" sz="1200" b="0">
                         <a:latin typeface="Avenir Light" panose="020B0403020203020204" charset="0"/>
                         <a:cs typeface="Avenir Light" panose="020B0403020203020204" charset="0"/>
                       </a:endParaRPr>
@@ -23751,13 +23875,13 @@
                         <a:buNone/>
                       </a:pPr>
                       <a:r>
-                        <a:rPr lang="zh-CN" altLang="en-US" sz="1200">
+                        <a:rPr lang="zh-CN" altLang="en-US" sz="1200" b="0">
                           <a:latin typeface="Avenir Light" panose="020B0403020203020204" charset="0"/>
                           <a:cs typeface="Avenir Light" panose="020B0403020203020204" charset="0"/>
                         </a:rPr>
                         <a:t>4</a:t>
                       </a:r>
-                      <a:endParaRPr lang="zh-CN" altLang="en-US" sz="1200">
+                      <a:endParaRPr lang="zh-CN" altLang="en-US" sz="1200" b="0">
                         <a:latin typeface="Avenir Light" panose="020B0403020203020204" charset="0"/>
                         <a:cs typeface="Avenir Light" panose="020B0403020203020204" charset="0"/>
                       </a:endParaRPr>
@@ -23773,13 +23897,13 @@
                         <a:buNone/>
                       </a:pPr>
                       <a:r>
-                        <a:rPr lang="zh-CN" altLang="en-US" sz="1200">
+                        <a:rPr lang="zh-CN" altLang="en-US" sz="1200" b="0">
                           <a:latin typeface="Avenir Light" panose="020B0403020203020204" charset="0"/>
                           <a:cs typeface="Avenir Light" panose="020B0403020203020204" charset="0"/>
                         </a:rPr>
                         <a:t>5</a:t>
                       </a:r>
-                      <a:endParaRPr lang="zh-CN" altLang="en-US" sz="1200">
+                      <a:endParaRPr lang="zh-CN" altLang="en-US" sz="1200" b="0">
                         <a:latin typeface="Avenir Light" panose="020B0403020203020204" charset="0"/>
                         <a:cs typeface="Avenir Light" panose="020B0403020203020204" charset="0"/>
                       </a:endParaRPr>
@@ -23795,13 +23919,13 @@
                         <a:buNone/>
                       </a:pPr>
                       <a:r>
-                        <a:rPr lang="zh-CN" altLang="en-US" sz="1200">
+                        <a:rPr lang="zh-CN" altLang="en-US" sz="1200" b="0">
                           <a:latin typeface="Avenir Light" panose="020B0403020203020204" charset="0"/>
                           <a:cs typeface="Avenir Light" panose="020B0403020203020204" charset="0"/>
                         </a:rPr>
                         <a:t>50</a:t>
                       </a:r>
-                      <a:endParaRPr lang="zh-CN" altLang="en-US" sz="1200">
+                      <a:endParaRPr lang="zh-CN" altLang="en-US" sz="1200" b="0">
                         <a:latin typeface="Avenir Light" panose="020B0403020203020204" charset="0"/>
                         <a:cs typeface="Avenir Light" panose="020B0403020203020204" charset="0"/>
                       </a:endParaRPr>
@@ -23817,13 +23941,13 @@
                         <a:buNone/>
                       </a:pPr>
                       <a:r>
-                        <a:rPr lang="zh-CN" altLang="en-US" sz="1200">
+                        <a:rPr lang="zh-CN" altLang="en-US" sz="1200" b="0">
                           <a:latin typeface="Avenir Light" panose="020B0403020203020204" charset="0"/>
                           <a:cs typeface="Avenir Light" panose="020B0403020203020204" charset="0"/>
                         </a:rPr>
                         <a:t>32</a:t>
                       </a:r>
-                      <a:endParaRPr lang="zh-CN" altLang="en-US" sz="1200">
+                      <a:endParaRPr lang="zh-CN" altLang="en-US" sz="1200" b="0">
                         <a:latin typeface="Avenir Light" panose="020B0403020203020204" charset="0"/>
                         <a:cs typeface="Avenir Light" panose="020B0403020203020204" charset="0"/>
                       </a:endParaRPr>
@@ -23839,13 +23963,13 @@
                         <a:buNone/>
                       </a:pPr>
                       <a:r>
-                        <a:rPr lang="zh-CN" altLang="en-US" sz="1200">
+                        <a:rPr lang="zh-CN" altLang="en-US" sz="1200" b="0">
                           <a:latin typeface="Avenir Light" panose="020B0403020203020204" charset="0"/>
                           <a:cs typeface="Avenir Light" panose="020B0403020203020204" charset="0"/>
                         </a:rPr>
                         <a:t>30</a:t>
                       </a:r>
-                      <a:endParaRPr lang="zh-CN" altLang="en-US" sz="1200">
+                      <a:endParaRPr lang="zh-CN" altLang="en-US" sz="1200" b="0">
                         <a:latin typeface="Avenir Light" panose="020B0403020203020204" charset="0"/>
                         <a:cs typeface="Avenir Light" panose="020B0403020203020204" charset="0"/>
                       </a:endParaRPr>
@@ -24121,7 +24245,7 @@
                         <a:buNone/>
                       </a:pPr>
                       <a:r>
-                        <a:rPr lang="en-US" sz="1200" b="1">
+                        <a:rPr lang="en-US" sz="1200" b="0">
                           <a:solidFill>
                             <a:srgbClr val="000000"/>
                           </a:solidFill>
@@ -24131,7 +24255,7 @@
                         </a:rPr>
                         <a:t>Worst</a:t>
                       </a:r>
-                      <a:endParaRPr lang="en-US" altLang="en-US" sz="1200" b="1">
+                      <a:endParaRPr lang="en-US" altLang="en-US" sz="1200" b="0">
                         <a:solidFill>
                           <a:srgbClr val="000000"/>
                         </a:solidFill>
@@ -24151,7 +24275,7 @@
                         <a:buNone/>
                       </a:pPr>
                       <a:r>
-                        <a:rPr lang="en-US" altLang="en-US" sz="1200" b="1">
+                        <a:rPr lang="en-US" altLang="en-US" sz="1200" b="0">
                           <a:solidFill>
                             <a:srgbClr val="000000"/>
                           </a:solidFill>
@@ -24161,7 +24285,7 @@
                         </a:rPr>
                         <a:t>0.35789</a:t>
                       </a:r>
-                      <a:endParaRPr lang="en-US" altLang="en-US" sz="1200" b="1">
+                      <a:endParaRPr lang="en-US" altLang="en-US" sz="1200" b="0">
                         <a:solidFill>
                           <a:srgbClr val="000000"/>
                         </a:solidFill>
@@ -24181,13 +24305,13 @@
                         <a:buNone/>
                       </a:pPr>
                       <a:r>
-                        <a:rPr lang="zh-CN" altLang="en-US" sz="1200">
+                        <a:rPr lang="zh-CN" altLang="en-US" sz="1200" b="0">
                           <a:latin typeface="Avenir Light" panose="020B0403020203020204" charset="0"/>
                           <a:cs typeface="Avenir Light" panose="020B0403020203020204" charset="0"/>
                         </a:rPr>
                         <a:t>4</a:t>
                       </a:r>
-                      <a:endParaRPr lang="zh-CN" altLang="en-US" sz="1200">
+                      <a:endParaRPr lang="zh-CN" altLang="en-US" sz="1200" b="0">
                         <a:latin typeface="Avenir Light" panose="020B0403020203020204" charset="0"/>
                         <a:cs typeface="Avenir Light" panose="020B0403020203020204" charset="0"/>
                       </a:endParaRPr>
@@ -24203,13 +24327,13 @@
                         <a:buNone/>
                       </a:pPr>
                       <a:r>
-                        <a:rPr lang="zh-CN" altLang="en-US" sz="1200">
+                        <a:rPr lang="zh-CN" altLang="en-US" sz="1200" b="0">
                           <a:latin typeface="Avenir Light" panose="020B0403020203020204" charset="0"/>
                           <a:cs typeface="Avenir Light" panose="020B0403020203020204" charset="0"/>
                         </a:rPr>
                         <a:t>8</a:t>
                       </a:r>
-                      <a:endParaRPr lang="zh-CN" altLang="en-US" sz="1200">
+                      <a:endParaRPr lang="zh-CN" altLang="en-US" sz="1200" b="0">
                         <a:latin typeface="Avenir Light" panose="020B0403020203020204" charset="0"/>
                         <a:cs typeface="Avenir Light" panose="020B0403020203020204" charset="0"/>
                       </a:endParaRPr>
@@ -24225,13 +24349,13 @@
                         <a:buNone/>
                       </a:pPr>
                       <a:r>
-                        <a:rPr lang="zh-CN" altLang="en-US" sz="1200">
+                        <a:rPr lang="zh-CN" altLang="en-US" sz="1200" b="0">
                           <a:latin typeface="Avenir Light" panose="020B0403020203020204" charset="0"/>
                           <a:cs typeface="Avenir Light" panose="020B0403020203020204" charset="0"/>
                         </a:rPr>
                         <a:t>5</a:t>
                       </a:r>
-                      <a:endParaRPr lang="zh-CN" altLang="en-US" sz="1200">
+                      <a:endParaRPr lang="zh-CN" altLang="en-US" sz="1200" b="0">
                         <a:latin typeface="Avenir Light" panose="020B0403020203020204" charset="0"/>
                         <a:cs typeface="Avenir Light" panose="020B0403020203020204" charset="0"/>
                       </a:endParaRPr>
@@ -24247,13 +24371,13 @@
                         <a:buNone/>
                       </a:pPr>
                       <a:r>
-                        <a:rPr lang="zh-CN" altLang="en-US" sz="1200">
+                        <a:rPr lang="zh-CN" altLang="en-US" sz="1200" b="0">
                           <a:latin typeface="Avenir Light" panose="020B0403020203020204" charset="0"/>
                           <a:cs typeface="Avenir Light" panose="020B0403020203020204" charset="0"/>
                         </a:rPr>
                         <a:t>50</a:t>
                       </a:r>
-                      <a:endParaRPr lang="zh-CN" altLang="en-US" sz="1200">
+                      <a:endParaRPr lang="zh-CN" altLang="en-US" sz="1200" b="0">
                         <a:latin typeface="Avenir Light" panose="020B0403020203020204" charset="0"/>
                         <a:cs typeface="Avenir Light" panose="020B0403020203020204" charset="0"/>
                       </a:endParaRPr>
@@ -24269,13 +24393,13 @@
                         <a:buNone/>
                       </a:pPr>
                       <a:r>
-                        <a:rPr lang="zh-CN" altLang="en-US" sz="1200">
+                        <a:rPr lang="zh-CN" altLang="en-US" sz="1200" b="0">
                           <a:latin typeface="Avenir Light" panose="020B0403020203020204" charset="0"/>
                           <a:cs typeface="Avenir Light" panose="020B0403020203020204" charset="0"/>
                         </a:rPr>
                         <a:t>32</a:t>
                       </a:r>
-                      <a:endParaRPr lang="zh-CN" altLang="en-US" sz="1200">
+                      <a:endParaRPr lang="zh-CN" altLang="en-US" sz="1200" b="0">
                         <a:latin typeface="Avenir Light" panose="020B0403020203020204" charset="0"/>
                         <a:cs typeface="Avenir Light" panose="020B0403020203020204" charset="0"/>
                       </a:endParaRPr>
@@ -24291,13 +24415,13 @@
                         <a:buNone/>
                       </a:pPr>
                       <a:r>
-                        <a:rPr lang="zh-CN" altLang="en-US" sz="1200">
+                        <a:rPr lang="zh-CN" altLang="en-US" sz="1200" b="0">
                           <a:latin typeface="Avenir Light" panose="020B0403020203020204" charset="0"/>
                           <a:cs typeface="Avenir Light" panose="020B0403020203020204" charset="0"/>
                         </a:rPr>
                         <a:t>40</a:t>
                       </a:r>
-                      <a:endParaRPr lang="zh-CN" altLang="en-US" sz="1200">
+                      <a:endParaRPr lang="zh-CN" altLang="en-US" sz="1200" b="0">
                         <a:latin typeface="Avenir Light" panose="020B0403020203020204" charset="0"/>
                         <a:cs typeface="Avenir Light" panose="020B0403020203020204" charset="0"/>
                       </a:endParaRPr>
@@ -24575,7 +24699,7 @@
                         <a:buNone/>
                       </a:pPr>
                       <a:r>
-                        <a:rPr lang="en-US" sz="1200" b="1">
+                        <a:rPr lang="en-US" sz="1200" b="0">
                           <a:solidFill>
                             <a:srgbClr val="000000"/>
                           </a:solidFill>
@@ -24585,7 +24709,7 @@
                         </a:rPr>
                         <a:t>Worst</a:t>
                       </a:r>
-                      <a:endParaRPr lang="en-US" altLang="en-US" sz="1200" b="1">
+                      <a:endParaRPr lang="en-US" altLang="en-US" sz="1200" b="0">
                         <a:solidFill>
                           <a:srgbClr val="000000"/>
                         </a:solidFill>
@@ -24605,7 +24729,7 @@
                         <a:buNone/>
                       </a:pPr>
                       <a:r>
-                        <a:rPr lang="en-US" altLang="en-US" sz="1200" b="1">
+                        <a:rPr lang="en-US" altLang="en-US" sz="1200" b="0">
                           <a:solidFill>
                             <a:srgbClr val="000000"/>
                           </a:solidFill>
@@ -24615,7 +24739,7 @@
                         </a:rPr>
                         <a:t>0.40577</a:t>
                       </a:r>
-                      <a:endParaRPr lang="en-US" altLang="en-US" sz="1200" b="1">
+                      <a:endParaRPr lang="en-US" altLang="en-US" sz="1200" b="0">
                         <a:solidFill>
                           <a:srgbClr val="000000"/>
                         </a:solidFill>
@@ -24635,13 +24759,13 @@
                         <a:buNone/>
                       </a:pPr>
                       <a:r>
-                        <a:rPr lang="zh-CN" altLang="en-US" sz="1200">
+                        <a:rPr lang="zh-CN" altLang="en-US" sz="1200" b="0">
                           <a:latin typeface="Avenir Light" panose="020B0403020203020204" charset="0"/>
                           <a:cs typeface="Avenir Light" panose="020B0403020203020204" charset="0"/>
                         </a:rPr>
                         <a:t>4</a:t>
                       </a:r>
-                      <a:endParaRPr lang="zh-CN" altLang="en-US" sz="1200">
+                      <a:endParaRPr lang="zh-CN" altLang="en-US" sz="1200" b="0">
                         <a:latin typeface="Avenir Light" panose="020B0403020203020204" charset="0"/>
                         <a:cs typeface="Avenir Light" panose="020B0403020203020204" charset="0"/>
                       </a:endParaRPr>
@@ -24657,13 +24781,13 @@
                         <a:buNone/>
                       </a:pPr>
                       <a:r>
-                        <a:rPr lang="zh-CN" altLang="en-US" sz="1200">
+                        <a:rPr lang="zh-CN" altLang="en-US" sz="1200" b="0">
                           <a:latin typeface="Avenir Light" panose="020B0403020203020204" charset="0"/>
                           <a:cs typeface="Avenir Light" panose="020B0403020203020204" charset="0"/>
                         </a:rPr>
                         <a:t>4</a:t>
                       </a:r>
-                      <a:endParaRPr lang="zh-CN" altLang="en-US" sz="1200">
+                      <a:endParaRPr lang="zh-CN" altLang="en-US" sz="1200" b="0">
                         <a:latin typeface="Avenir Light" panose="020B0403020203020204" charset="0"/>
                         <a:cs typeface="Avenir Light" panose="020B0403020203020204" charset="0"/>
                       </a:endParaRPr>
@@ -24679,13 +24803,13 @@
                         <a:buNone/>
                       </a:pPr>
                       <a:r>
-                        <a:rPr lang="zh-CN" altLang="en-US" sz="1200">
+                        <a:rPr lang="zh-CN" altLang="en-US" sz="1200" b="0">
                           <a:latin typeface="Avenir Light" panose="020B0403020203020204" charset="0"/>
                           <a:cs typeface="Avenir Light" panose="020B0403020203020204" charset="0"/>
                         </a:rPr>
                         <a:t>5</a:t>
                       </a:r>
-                      <a:endParaRPr lang="zh-CN" altLang="en-US" sz="1200">
+                      <a:endParaRPr lang="zh-CN" altLang="en-US" sz="1200" b="0">
                         <a:latin typeface="Avenir Light" panose="020B0403020203020204" charset="0"/>
                         <a:cs typeface="Avenir Light" panose="020B0403020203020204" charset="0"/>
                       </a:endParaRPr>
@@ -24701,13 +24825,13 @@
                         <a:buNone/>
                       </a:pPr>
                       <a:r>
-                        <a:rPr lang="zh-CN" altLang="en-US" sz="1200">
+                        <a:rPr lang="zh-CN" altLang="en-US" sz="1200" b="0">
                           <a:latin typeface="Avenir Light" panose="020B0403020203020204" charset="0"/>
                           <a:cs typeface="Avenir Light" panose="020B0403020203020204" charset="0"/>
                         </a:rPr>
                         <a:t>30</a:t>
                       </a:r>
-                      <a:endParaRPr lang="zh-CN" altLang="en-US" sz="1200">
+                      <a:endParaRPr lang="zh-CN" altLang="en-US" sz="1200" b="0">
                         <a:latin typeface="Avenir Light" panose="020B0403020203020204" charset="0"/>
                         <a:cs typeface="Avenir Light" panose="020B0403020203020204" charset="0"/>
                       </a:endParaRPr>
@@ -24723,13 +24847,13 @@
                         <a:buNone/>
                       </a:pPr>
                       <a:r>
-                        <a:rPr lang="zh-CN" altLang="en-US" sz="1200">
+                        <a:rPr lang="zh-CN" altLang="en-US" sz="1200" b="0">
                           <a:latin typeface="Avenir Light" panose="020B0403020203020204" charset="0"/>
                           <a:cs typeface="Avenir Light" panose="020B0403020203020204" charset="0"/>
                         </a:rPr>
                         <a:t>64</a:t>
                       </a:r>
-                      <a:endParaRPr lang="zh-CN" altLang="en-US" sz="1200">
+                      <a:endParaRPr lang="zh-CN" altLang="en-US" sz="1200" b="0">
                         <a:latin typeface="Avenir Light" panose="020B0403020203020204" charset="0"/>
                         <a:cs typeface="Avenir Light" panose="020B0403020203020204" charset="0"/>
                       </a:endParaRPr>
@@ -24745,13 +24869,13 @@
                         <a:buNone/>
                       </a:pPr>
                       <a:r>
-                        <a:rPr lang="zh-CN" altLang="en-US" sz="1200">
+                        <a:rPr lang="zh-CN" altLang="en-US" sz="1200" b="0">
                           <a:latin typeface="Avenir Light" panose="020B0403020203020204" charset="0"/>
                           <a:cs typeface="Avenir Light" panose="020B0403020203020204" charset="0"/>
                         </a:rPr>
                         <a:t>40</a:t>
                       </a:r>
-                      <a:endParaRPr lang="zh-CN" altLang="en-US" sz="1200">
+                      <a:endParaRPr lang="zh-CN" altLang="en-US" sz="1200" b="0">
                         <a:latin typeface="Avenir Light" panose="020B0403020203020204" charset="0"/>
                         <a:cs typeface="Avenir Light" panose="020B0403020203020204" charset="0"/>
                       </a:endParaRPr>
@@ -24770,14 +24894,14 @@
     <a:masterClrMapping/>
   </p:clrMapOvr>
   <mc:AlternateContent xmlns:mc="http://schemas.openxmlformats.org/markup-compatibility/2006">
-    <mc:Choice xmlns:p15="http://schemas.microsoft.com/office/powerpoint/2012/main" Requires="p15">
-      <p:transition xmlns:p14="http://schemas.microsoft.com/office/powerpoint/2010/main" spd="slow" Requires="p14" p14:dur="1250" advClick="0" advTm="0">
-        <p15:prstTrans prst="pageCurlDouble"/>
+    <mc:Choice xmlns:p14="http://schemas.microsoft.com/office/powerpoint/2010/main" Requires="p14">
+      <p:transition spd="slow" p14:dur="1000">
+        <p:push dir="u"/>
       </p:transition>
     </mc:Choice>
     <mc:Fallback>
-      <p:transition spd="slow" advClick="0" advTm="0">
-        <p:fade/>
+      <p:transition spd="slow">
+        <p:push dir="u"/>
       </p:transition>
     </mc:Fallback>
   </mc:AlternateContent>
@@ -24817,9 +24941,9 @@
         <p:grpSpPr>
           <a:xfrm>
             <a:off x="-34032" y="-1"/>
-            <a:ext cx="5110054" cy="1053144"/>
+            <a:ext cx="3719404" cy="1053144"/>
             <a:chOff x="-34032" y="-1"/>
-            <a:chExt cx="5110054" cy="1053144"/>
+            <a:chExt cx="3719404" cy="1053144"/>
           </a:xfrm>
         </p:grpSpPr>
         <p:sp>
@@ -24953,7 +25077,7 @@
           <p:spPr>
             <a:xfrm>
               <a:off x="759292" y="656230"/>
-              <a:ext cx="4316730" cy="368300"/>
+              <a:ext cx="2926080" cy="368300"/>
             </a:xfrm>
             <a:prstGeom prst="rect">
               <a:avLst/>
@@ -24977,7 +25101,7 @@
                   <a:ea typeface="方正黑体简体" panose="02010601030101010101" pitchFamily="2" charset="-122"/>
                   <a:sym typeface="方正黑体简体" panose="02010601030101010101" pitchFamily="2" charset="-122"/>
                 </a:rPr>
-                <a:t>Results and Performance Evaluation</a:t>
+                <a:t>Performance Evaluation</a:t>
               </a:r>
               <a:endParaRPr lang="zh-CN" altLang="en-US" b="1" dirty="0">
                 <a:solidFill>
@@ -25331,12 +25455,12 @@
   </p:clrMapOvr>
   <mc:AlternateContent xmlns:mc="http://schemas.openxmlformats.org/markup-compatibility/2006">
     <mc:Choice xmlns:p15="http://schemas.microsoft.com/office/powerpoint/2012/main" Requires="p15">
-      <p:transition xmlns:p14="http://schemas.microsoft.com/office/powerpoint/2010/main" spd="slow" Requires="p14" p14:dur="1250" advClick="0" advTm="0">
-        <p15:prstTrans prst="pageCurlDouble"/>
+      <p:transition xmlns:p14="http://schemas.microsoft.com/office/powerpoint/2010/main" spd="slow" Requires="p14" p14:dur="1250">
+        <p15:prstTrans prst="peelOff"/>
       </p:transition>
     </mc:Choice>
     <mc:Fallback>
-      <p:transition spd="slow" advClick="0" advTm="0">
+      <p:transition spd="slow">
         <p:fade/>
       </p:transition>
     </mc:Fallback>
@@ -25488,7 +25612,7 @@
               </a:lnSpc>
             </a:pPr>
             <a:r>
-              <a:rPr lang="en-US" altLang="zh-CN" sz="1200" dirty="0">
+              <a:rPr lang="en-US" sz="1200" dirty="0">
                 <a:solidFill>
                   <a:schemeClr val="tx1"/>
                 </a:solidFill>
@@ -25496,7 +25620,18 @@
                 <a:ea typeface="方正黑体简体" panose="02010601030101010101" pitchFamily="2" charset="-122"/>
                 <a:sym typeface="方正黑体简体" panose="02010601030101010101" pitchFamily="2" charset="-122"/>
               </a:rPr>
-              <a:t>If t</a:t>
+              <a:t>I</a:t>
+            </a:r>
+            <a:r>
+              <a:rPr sz="1200" dirty="0">
+                <a:solidFill>
+                  <a:schemeClr val="tx1"/>
+                </a:solidFill>
+                <a:latin typeface="方正黑体简体" panose="02010601030101010101" pitchFamily="2" charset="-122"/>
+                <a:ea typeface="方正黑体简体" panose="02010601030101010101" pitchFamily="2" charset="-122"/>
+                <a:sym typeface="方正黑体简体" panose="02010601030101010101" pitchFamily="2" charset="-122"/>
+              </a:rPr>
+              <a:t>f the model can be trained on multiple sequence lengths, it will enable it to learn both short-term and long-term trends, allowing it to make more informed predictions</a:t>
             </a:r>
             <a:r>
               <a:rPr lang="zh-CN" altLang="en-US" sz="1200" dirty="0">
@@ -25507,7 +25642,7 @@
                 <a:ea typeface="方正黑体简体" panose="02010601030101010101" pitchFamily="2" charset="-122"/>
                 <a:sym typeface="方正黑体简体" panose="02010601030101010101" pitchFamily="2" charset="-122"/>
               </a:rPr>
-              <a:t>he model is trained on multiple sequence lengths, allowing it to learn from short- and long-term trends to make more informed predictions.</a:t>
+              <a:t>.</a:t>
             </a:r>
             <a:endParaRPr lang="zh-CN" altLang="en-US" sz="1200" dirty="0">
               <a:solidFill>
@@ -25622,6 +25757,17 @@
               </a:lnSpc>
             </a:pPr>
             <a:r>
+              <a:rPr lang="en-US" altLang="zh-CN" sz="1200" dirty="0">
+                <a:solidFill>
+                  <a:schemeClr val="tx1"/>
+                </a:solidFill>
+                <a:latin typeface="方正黑体简体" panose="02010601030101010101" pitchFamily="2" charset="-122"/>
+                <a:ea typeface="方正黑体简体" panose="02010601030101010101" pitchFamily="2" charset="-122"/>
+                <a:sym typeface="方正黑体简体" panose="02010601030101010101" pitchFamily="2" charset="-122"/>
+              </a:rPr>
+              <a:t>A</a:t>
+            </a:r>
+            <a:r>
               <a:rPr lang="zh-CN" altLang="en-US" sz="1200" dirty="0">
                 <a:solidFill>
                   <a:schemeClr val="tx1"/>
@@ -25630,7 +25776,7 @@
                 <a:ea typeface="方正黑体简体" panose="02010601030101010101" pitchFamily="2" charset="-122"/>
                 <a:sym typeface="方正黑体简体" panose="02010601030101010101" pitchFamily="2" charset="-122"/>
               </a:rPr>
-              <a:t>Larger population sizes can introduce more genetic diversity, providing a wider search space for the algorithm.</a:t>
+              <a:t> larger population size can introduce more genetic diversity and provide a wider search space for the algorithm.</a:t>
             </a:r>
             <a:endParaRPr lang="zh-CN" altLang="en-US" sz="1200" dirty="0">
               <a:solidFill>
@@ -25863,6 +26009,17 @@
               </a:lnSpc>
             </a:pPr>
             <a:r>
+              <a:rPr lang="en-US" sz="1200" dirty="0">
+                <a:solidFill>
+                  <a:schemeClr val="tx1"/>
+                </a:solidFill>
+                <a:latin typeface="方正黑体简体" panose="02010601030101010101" pitchFamily="2" charset="-122"/>
+                <a:ea typeface="方正黑体简体" panose="02010601030101010101" pitchFamily="2" charset="-122"/>
+                <a:sym typeface="方正黑体简体" panose="02010601030101010101" pitchFamily="2" charset="-122"/>
+              </a:rPr>
+              <a:t>I</a:t>
+            </a:r>
+            <a:r>
               <a:rPr sz="1200" dirty="0">
                 <a:solidFill>
                   <a:schemeClr val="tx1"/>
@@ -25871,7 +26028,7 @@
                 <a:ea typeface="方正黑体简体" panose="02010601030101010101" pitchFamily="2" charset="-122"/>
                 <a:sym typeface="方正黑体简体" panose="02010601030101010101" pitchFamily="2" charset="-122"/>
               </a:rPr>
-              <a:t>Implementing more efficient hyperparameter optimization techniques, such as using continuous values, may lead to better convergence to the optimal solution.</a:t>
+              <a:t>mplementing more efficient hyperparameter optimization techniques (e.g. using continuous values) may lead to better convergence to an optimal solution.</a:t>
             </a:r>
             <a:endParaRPr sz="1200" dirty="0">
               <a:solidFill>
@@ -26246,7 +26403,7 @@
               </a:lnSpc>
             </a:pPr>
             <a:r>
-              <a:rPr lang="en-US" sz="1400" dirty="0">
+              <a:rPr sz="1600" dirty="0">
                 <a:solidFill>
                   <a:schemeClr val="tx1"/>
                 </a:solidFill>
@@ -26254,20 +26411,9 @@
                 <a:ea typeface="方正黑体简体" panose="02010601030101010101" pitchFamily="2" charset="-122"/>
                 <a:sym typeface="方正黑体简体" panose="02010601030101010101" pitchFamily="2" charset="-122"/>
               </a:rPr>
-              <a:t>T</a:t>
+              <a:t>This study successfully demonstrates the potential of combining Transformer models with genetic algorithms. By utilizing the advantages of the Transformer model to analyze time series data and the search efficiency of the genetic algorithm, the computational overhead is significantly reduced while improving prediction accuracy.</a:t>
             </a:r>
-            <a:r>
-              <a:rPr sz="1400" dirty="0">
-                <a:solidFill>
-                  <a:schemeClr val="tx1"/>
-                </a:solidFill>
-                <a:latin typeface="方正黑体简体" panose="02010601030101010101" pitchFamily="2" charset="-122"/>
-                <a:ea typeface="方正黑体简体" panose="02010601030101010101" pitchFamily="2" charset="-122"/>
-                <a:sym typeface="方正黑体简体" panose="02010601030101010101" pitchFamily="2" charset="-122"/>
-              </a:rPr>
-              <a:t>his study successfully demonstrates the potential of combining Transformer models with genetic algorithm-based hyperparameter optimization to predict stock prices effectively and efficiently. By leveraging the sophisticated sequence processing capabilities of Transformer models and the strategic search efficiency of genetic algorithms, we have identified optimal model configurations that significantly improve forecast accuracy while reducing computational overhead.</a:t>
-            </a:r>
-            <a:endParaRPr sz="1400" dirty="0">
+            <a:endParaRPr sz="1600" dirty="0">
               <a:solidFill>
                 <a:schemeClr val="tx1"/>
               </a:solidFill>
@@ -26285,12 +26431,12 @@
   </p:clrMapOvr>
   <mc:AlternateContent xmlns:mc="http://schemas.openxmlformats.org/markup-compatibility/2006">
     <mc:Choice xmlns:p14="http://schemas.microsoft.com/office/powerpoint/2010/main" Requires="p14">
-      <p:transition spd="slow" p14:dur="1250" advClick="0" advTm="0">
-        <p14:ripple/>
+      <p:transition spd="med" p14:dur="699">
+        <p:fade/>
       </p:transition>
     </mc:Choice>
     <mc:Fallback>
-      <p:transition spd="slow" advClick="0" advTm="0">
+      <p:transition spd="med">
         <p:fade/>
       </p:transition>
     </mc:Fallback>
@@ -27824,13 +27970,13 @@
   </p:clrMapOvr>
   <mc:AlternateContent xmlns:mc="http://schemas.openxmlformats.org/markup-compatibility/2006">
     <mc:Choice xmlns:p14="http://schemas.microsoft.com/office/powerpoint/2010/main" Requires="p14">
-      <p:transition spd="slow" p14:dur="1250" advClick="0" advTm="0">
-        <p14:ripple/>
+      <p:transition spd="slow" p14:dur="1000">
+        <p:comb/>
       </p:transition>
     </mc:Choice>
     <mc:Fallback>
-      <p:transition spd="slow" advClick="0" advTm="0">
-        <p:fade/>
+      <p:transition spd="slow">
+        <p:comb/>
       </p:transition>
     </mc:Fallback>
   </mc:AlternateContent>
@@ -28391,6 +28537,33 @@
                                   </p:childTnLst>
                                 </p:cTn>
                               </p:par>
+                              <p:par>
+                                <p:cTn id="46" presetID="1" presetClass="entr" presetSubtype="0" fill="hold" grpId="0" nodeType="withEffect">
+                                  <p:stCondLst>
+                                    <p:cond delay="0"/>
+                                  </p:stCondLst>
+                                  <p:childTnLst>
+                                    <p:set>
+                                      <p:cBhvr>
+                                        <p:cTn id="47" dur="1" fill="hold">
+                                          <p:stCondLst>
+                                            <p:cond delay="0"/>
+                                          </p:stCondLst>
+                                        </p:cTn>
+                                        <p:tgtEl>
+                                          <p:spTgt spid="67"/>
+                                        </p:tgtEl>
+                                        <p:attrNameLst>
+                                          <p:attrName>style.visibility</p:attrName>
+                                        </p:attrNameLst>
+                                      </p:cBhvr>
+                                      <p:to>
+                                        <p:strVal val="visible"/>
+                                      </p:to>
+                                    </p:set>
+                                  </p:childTnLst>
+                                </p:cTn>
+                              </p:par>
                             </p:childTnLst>
                           </p:cTn>
                         </p:par>
@@ -28424,6 +28597,8 @@
       <p:bldP spid="60" grpId="0"/>
       <p:bldP spid="69" grpId="0"/>
       <p:bldP spid="21" grpId="0"/>
+      <p:bldP spid="67" grpId="0"/>
+      <p:bldP spid="67" grpId="1"/>
     </p:bldLst>
   </p:timing>
 </p:sld>
